--- a/ppt 16-9/0269.看哪新郎来到.pptx
+++ b/ppt 16-9/0269.看哪新郎来到.pptx
@@ -129,7 +129,7 @@
           <p:cNvPr id="2" name="标题 1">
             <a:extLst>
               <a:ext uri="{FF2B5EF4-FFF2-40B4-BE49-F238E27FC236}">
-                <a16:creationId xmlns:a16="http://schemas.microsoft.com/office/drawing/2014/main" id="{BD199609-B53C-BBB7-BE5C-5773A2E2A30E}"/>
+                <a16:creationId xmlns:a16="http://schemas.microsoft.com/office/drawing/2014/main" id="{E228CAD1-04BB-4457-0481-0C4BC651B004}"/>
               </a:ext>
             </a:extLst>
           </p:cNvPr>
@@ -166,7 +166,7 @@
           <p:cNvPr id="3" name="副标题 2">
             <a:extLst>
               <a:ext uri="{FF2B5EF4-FFF2-40B4-BE49-F238E27FC236}">
-                <a16:creationId xmlns:a16="http://schemas.microsoft.com/office/drawing/2014/main" id="{BE02445A-5F95-76FA-CFDE-A487A73F072F}"/>
+                <a16:creationId xmlns:a16="http://schemas.microsoft.com/office/drawing/2014/main" id="{48C0FFC8-B078-217A-A713-99B1BACF8612}"/>
               </a:ext>
             </a:extLst>
           </p:cNvPr>
@@ -236,7 +236,7 @@
           <p:cNvPr id="4" name="日期占位符 3">
             <a:extLst>
               <a:ext uri="{FF2B5EF4-FFF2-40B4-BE49-F238E27FC236}">
-                <a16:creationId xmlns:a16="http://schemas.microsoft.com/office/drawing/2014/main" id="{873FDBCB-F08D-3D5E-362B-803E5057D4C5}"/>
+                <a16:creationId xmlns:a16="http://schemas.microsoft.com/office/drawing/2014/main" id="{918834BE-11AC-0723-E6F0-9641EA4BB69C}"/>
               </a:ext>
             </a:extLst>
           </p:cNvPr>
@@ -252,7 +252,7 @@
           <a:bodyPr/>
           <a:lstStyle/>
           <a:p>
-            <a:fld id="{264FA07B-7A61-4D41-9A89-77393A32C4A6}" type="datetimeFigureOut">
+            <a:fld id="{807715FE-2D25-43BC-AB17-7D9547F6BCD6}" type="datetimeFigureOut">
               <a:rPr lang="zh-CN" altLang="en-US" smtClean="0"/>
               <a:t>2024/3/10</a:t>
             </a:fld>
@@ -265,7 +265,7 @@
           <p:cNvPr id="5" name="页脚占位符 4">
             <a:extLst>
               <a:ext uri="{FF2B5EF4-FFF2-40B4-BE49-F238E27FC236}">
-                <a16:creationId xmlns:a16="http://schemas.microsoft.com/office/drawing/2014/main" id="{05104518-2A7F-12DB-46D7-8884DEC8FAD8}"/>
+                <a16:creationId xmlns:a16="http://schemas.microsoft.com/office/drawing/2014/main" id="{0FB63720-9224-B612-1E07-7CFF46505493}"/>
               </a:ext>
             </a:extLst>
           </p:cNvPr>
@@ -290,7 +290,7 @@
           <p:cNvPr id="6" name="灯片编号占位符 5">
             <a:extLst>
               <a:ext uri="{FF2B5EF4-FFF2-40B4-BE49-F238E27FC236}">
-                <a16:creationId xmlns:a16="http://schemas.microsoft.com/office/drawing/2014/main" id="{337FFF8A-B252-1DA2-85C6-E089970894C0}"/>
+                <a16:creationId xmlns:a16="http://schemas.microsoft.com/office/drawing/2014/main" id="{C5074D11-CF19-44CE-D967-81F02B4F26BB}"/>
               </a:ext>
             </a:extLst>
           </p:cNvPr>
@@ -306,7 +306,7 @@
           <a:bodyPr/>
           <a:lstStyle/>
           <a:p>
-            <a:fld id="{9A7FEBCD-D8C8-4C1F-ABB6-9479BE0A2969}" type="slidenum">
+            <a:fld id="{6E276794-5E4A-4C3C-96E2-79A5F3579C07}" type="slidenum">
               <a:rPr lang="zh-CN" altLang="en-US" smtClean="0"/>
               <a:t>‹#›</a:t>
             </a:fld>
@@ -317,7 +317,7 @@
     </p:spTree>
     <p:extLst>
       <p:ext uri="{BB962C8B-B14F-4D97-AF65-F5344CB8AC3E}">
-        <p14:creationId xmlns:p14="http://schemas.microsoft.com/office/powerpoint/2010/main" val="4066364725"/>
+        <p14:creationId xmlns:p14="http://schemas.microsoft.com/office/powerpoint/2010/main" val="2075624242"/>
       </p:ext>
     </p:extLst>
   </p:cSld>
@@ -349,7 +349,7 @@
           <p:cNvPr id="2" name="标题 1">
             <a:extLst>
               <a:ext uri="{FF2B5EF4-FFF2-40B4-BE49-F238E27FC236}">
-                <a16:creationId xmlns:a16="http://schemas.microsoft.com/office/drawing/2014/main" id="{E82871A7-C149-74A6-8B48-6665FE53931A}"/>
+                <a16:creationId xmlns:a16="http://schemas.microsoft.com/office/drawing/2014/main" id="{F2FF6E1F-0C19-6C85-EA4A-77CAF9BE1F4B}"/>
               </a:ext>
             </a:extLst>
           </p:cNvPr>
@@ -377,7 +377,7 @@
           <p:cNvPr id="3" name="竖排文字占位符 2">
             <a:extLst>
               <a:ext uri="{FF2B5EF4-FFF2-40B4-BE49-F238E27FC236}">
-                <a16:creationId xmlns:a16="http://schemas.microsoft.com/office/drawing/2014/main" id="{0BEF7194-54F9-F561-70EE-11EBCCC196EF}"/>
+                <a16:creationId xmlns:a16="http://schemas.microsoft.com/office/drawing/2014/main" id="{F8057C4A-58E3-17D0-E144-60BF694601B3}"/>
               </a:ext>
             </a:extLst>
           </p:cNvPr>
@@ -434,7 +434,7 @@
           <p:cNvPr id="4" name="日期占位符 3">
             <a:extLst>
               <a:ext uri="{FF2B5EF4-FFF2-40B4-BE49-F238E27FC236}">
-                <a16:creationId xmlns:a16="http://schemas.microsoft.com/office/drawing/2014/main" id="{00E4E24F-67B2-B62C-DCC6-205126134702}"/>
+                <a16:creationId xmlns:a16="http://schemas.microsoft.com/office/drawing/2014/main" id="{ED72B895-7681-4B5F-4900-7184141CEAC3}"/>
               </a:ext>
             </a:extLst>
           </p:cNvPr>
@@ -450,7 +450,7 @@
           <a:bodyPr/>
           <a:lstStyle/>
           <a:p>
-            <a:fld id="{264FA07B-7A61-4D41-9A89-77393A32C4A6}" type="datetimeFigureOut">
+            <a:fld id="{807715FE-2D25-43BC-AB17-7D9547F6BCD6}" type="datetimeFigureOut">
               <a:rPr lang="zh-CN" altLang="en-US" smtClean="0"/>
               <a:t>2024/3/10</a:t>
             </a:fld>
@@ -463,7 +463,7 @@
           <p:cNvPr id="5" name="页脚占位符 4">
             <a:extLst>
               <a:ext uri="{FF2B5EF4-FFF2-40B4-BE49-F238E27FC236}">
-                <a16:creationId xmlns:a16="http://schemas.microsoft.com/office/drawing/2014/main" id="{A63B89E9-6510-B1E1-74F8-DEA9D9E8AFD5}"/>
+                <a16:creationId xmlns:a16="http://schemas.microsoft.com/office/drawing/2014/main" id="{40CC443C-3C52-9849-FF1E-9835BFBE77C3}"/>
               </a:ext>
             </a:extLst>
           </p:cNvPr>
@@ -488,7 +488,7 @@
           <p:cNvPr id="6" name="灯片编号占位符 5">
             <a:extLst>
               <a:ext uri="{FF2B5EF4-FFF2-40B4-BE49-F238E27FC236}">
-                <a16:creationId xmlns:a16="http://schemas.microsoft.com/office/drawing/2014/main" id="{1E2706F5-90AD-B762-8ACC-DEF60CCBE256}"/>
+                <a16:creationId xmlns:a16="http://schemas.microsoft.com/office/drawing/2014/main" id="{1F1247F5-BCEC-6BBD-1F84-5B0BA9E9E6B6}"/>
               </a:ext>
             </a:extLst>
           </p:cNvPr>
@@ -504,7 +504,7 @@
           <a:bodyPr/>
           <a:lstStyle/>
           <a:p>
-            <a:fld id="{9A7FEBCD-D8C8-4C1F-ABB6-9479BE0A2969}" type="slidenum">
+            <a:fld id="{6E276794-5E4A-4C3C-96E2-79A5F3579C07}" type="slidenum">
               <a:rPr lang="zh-CN" altLang="en-US" smtClean="0"/>
               <a:t>‹#›</a:t>
             </a:fld>
@@ -515,7 +515,7 @@
     </p:spTree>
     <p:extLst>
       <p:ext uri="{BB962C8B-B14F-4D97-AF65-F5344CB8AC3E}">
-        <p14:creationId xmlns:p14="http://schemas.microsoft.com/office/powerpoint/2010/main" val="2343719461"/>
+        <p14:creationId xmlns:p14="http://schemas.microsoft.com/office/powerpoint/2010/main" val="3804138144"/>
       </p:ext>
     </p:extLst>
   </p:cSld>
@@ -547,7 +547,7 @@
           <p:cNvPr id="2" name="竖排标题 1">
             <a:extLst>
               <a:ext uri="{FF2B5EF4-FFF2-40B4-BE49-F238E27FC236}">
-                <a16:creationId xmlns:a16="http://schemas.microsoft.com/office/drawing/2014/main" id="{288E845E-C7AA-F5A0-DAB2-E39179A86350}"/>
+                <a16:creationId xmlns:a16="http://schemas.microsoft.com/office/drawing/2014/main" id="{667B2A18-0A5E-5EE7-203F-B20140FD3612}"/>
               </a:ext>
             </a:extLst>
           </p:cNvPr>
@@ -580,7 +580,7 @@
           <p:cNvPr id="3" name="竖排文字占位符 2">
             <a:extLst>
               <a:ext uri="{FF2B5EF4-FFF2-40B4-BE49-F238E27FC236}">
-                <a16:creationId xmlns:a16="http://schemas.microsoft.com/office/drawing/2014/main" id="{12BF706D-56E3-2302-D8D0-778A0ED9454D}"/>
+                <a16:creationId xmlns:a16="http://schemas.microsoft.com/office/drawing/2014/main" id="{8A9A585D-2CE4-2BFF-7E06-9A61CC633291}"/>
               </a:ext>
             </a:extLst>
           </p:cNvPr>
@@ -642,7 +642,7 @@
           <p:cNvPr id="4" name="日期占位符 3">
             <a:extLst>
               <a:ext uri="{FF2B5EF4-FFF2-40B4-BE49-F238E27FC236}">
-                <a16:creationId xmlns:a16="http://schemas.microsoft.com/office/drawing/2014/main" id="{E1EEFBC8-F734-F131-565D-E23E93A1814F}"/>
+                <a16:creationId xmlns:a16="http://schemas.microsoft.com/office/drawing/2014/main" id="{42A7A551-17C7-63F7-4EF0-1EBF00CDC72C}"/>
               </a:ext>
             </a:extLst>
           </p:cNvPr>
@@ -658,7 +658,7 @@
           <a:bodyPr/>
           <a:lstStyle/>
           <a:p>
-            <a:fld id="{264FA07B-7A61-4D41-9A89-77393A32C4A6}" type="datetimeFigureOut">
+            <a:fld id="{807715FE-2D25-43BC-AB17-7D9547F6BCD6}" type="datetimeFigureOut">
               <a:rPr lang="zh-CN" altLang="en-US" smtClean="0"/>
               <a:t>2024/3/10</a:t>
             </a:fld>
@@ -671,7 +671,7 @@
           <p:cNvPr id="5" name="页脚占位符 4">
             <a:extLst>
               <a:ext uri="{FF2B5EF4-FFF2-40B4-BE49-F238E27FC236}">
-                <a16:creationId xmlns:a16="http://schemas.microsoft.com/office/drawing/2014/main" id="{EED04169-BE58-52E3-F952-45191B66E6D6}"/>
+                <a16:creationId xmlns:a16="http://schemas.microsoft.com/office/drawing/2014/main" id="{6F8004E9-A48F-9731-885C-7A3D1D30CD0A}"/>
               </a:ext>
             </a:extLst>
           </p:cNvPr>
@@ -696,7 +696,7 @@
           <p:cNvPr id="6" name="灯片编号占位符 5">
             <a:extLst>
               <a:ext uri="{FF2B5EF4-FFF2-40B4-BE49-F238E27FC236}">
-                <a16:creationId xmlns:a16="http://schemas.microsoft.com/office/drawing/2014/main" id="{0FF4678A-2C13-57A5-C6E8-E87E79342927}"/>
+                <a16:creationId xmlns:a16="http://schemas.microsoft.com/office/drawing/2014/main" id="{88D24F70-9CBD-A910-7376-8132EF8EB16E}"/>
               </a:ext>
             </a:extLst>
           </p:cNvPr>
@@ -712,7 +712,7 @@
           <a:bodyPr/>
           <a:lstStyle/>
           <a:p>
-            <a:fld id="{9A7FEBCD-D8C8-4C1F-ABB6-9479BE0A2969}" type="slidenum">
+            <a:fld id="{6E276794-5E4A-4C3C-96E2-79A5F3579C07}" type="slidenum">
               <a:rPr lang="zh-CN" altLang="en-US" smtClean="0"/>
               <a:t>‹#›</a:t>
             </a:fld>
@@ -723,7 +723,7 @@
     </p:spTree>
     <p:extLst>
       <p:ext uri="{BB962C8B-B14F-4D97-AF65-F5344CB8AC3E}">
-        <p14:creationId xmlns:p14="http://schemas.microsoft.com/office/powerpoint/2010/main" val="2913801866"/>
+        <p14:creationId xmlns:p14="http://schemas.microsoft.com/office/powerpoint/2010/main" val="2474683734"/>
       </p:ext>
     </p:extLst>
   </p:cSld>
@@ -755,7 +755,7 @@
           <p:cNvPr id="2" name="标题 1">
             <a:extLst>
               <a:ext uri="{FF2B5EF4-FFF2-40B4-BE49-F238E27FC236}">
-                <a16:creationId xmlns:a16="http://schemas.microsoft.com/office/drawing/2014/main" id="{48C7619F-EBE1-344D-5D75-A9CF470EB909}"/>
+                <a16:creationId xmlns:a16="http://schemas.microsoft.com/office/drawing/2014/main" id="{DAA8A49C-B1A5-6B2C-4F71-15AC9A4918C8}"/>
               </a:ext>
             </a:extLst>
           </p:cNvPr>
@@ -783,7 +783,7 @@
           <p:cNvPr id="3" name="内容占位符 2">
             <a:extLst>
               <a:ext uri="{FF2B5EF4-FFF2-40B4-BE49-F238E27FC236}">
-                <a16:creationId xmlns:a16="http://schemas.microsoft.com/office/drawing/2014/main" id="{A76D7305-4872-5CB7-A054-CA3DB43A8C0A}"/>
+                <a16:creationId xmlns:a16="http://schemas.microsoft.com/office/drawing/2014/main" id="{84A079E0-D35E-E2A2-0445-760FDEA146A6}"/>
               </a:ext>
             </a:extLst>
           </p:cNvPr>
@@ -840,7 +840,7 @@
           <p:cNvPr id="4" name="日期占位符 3">
             <a:extLst>
               <a:ext uri="{FF2B5EF4-FFF2-40B4-BE49-F238E27FC236}">
-                <a16:creationId xmlns:a16="http://schemas.microsoft.com/office/drawing/2014/main" id="{CDDCE0F1-B4B4-49F0-F121-25E96F4638E6}"/>
+                <a16:creationId xmlns:a16="http://schemas.microsoft.com/office/drawing/2014/main" id="{1A120B05-8484-4F2F-FAF7-D0822110353F}"/>
               </a:ext>
             </a:extLst>
           </p:cNvPr>
@@ -856,7 +856,7 @@
           <a:bodyPr/>
           <a:lstStyle/>
           <a:p>
-            <a:fld id="{264FA07B-7A61-4D41-9A89-77393A32C4A6}" type="datetimeFigureOut">
+            <a:fld id="{807715FE-2D25-43BC-AB17-7D9547F6BCD6}" type="datetimeFigureOut">
               <a:rPr lang="zh-CN" altLang="en-US" smtClean="0"/>
               <a:t>2024/3/10</a:t>
             </a:fld>
@@ -869,7 +869,7 @@
           <p:cNvPr id="5" name="页脚占位符 4">
             <a:extLst>
               <a:ext uri="{FF2B5EF4-FFF2-40B4-BE49-F238E27FC236}">
-                <a16:creationId xmlns:a16="http://schemas.microsoft.com/office/drawing/2014/main" id="{0D49DE8D-B764-4FB7-16C4-F561FA8AC74B}"/>
+                <a16:creationId xmlns:a16="http://schemas.microsoft.com/office/drawing/2014/main" id="{BF8A991A-4186-E524-8136-C56AE2A8EA99}"/>
               </a:ext>
             </a:extLst>
           </p:cNvPr>
@@ -894,7 +894,7 @@
           <p:cNvPr id="6" name="灯片编号占位符 5">
             <a:extLst>
               <a:ext uri="{FF2B5EF4-FFF2-40B4-BE49-F238E27FC236}">
-                <a16:creationId xmlns:a16="http://schemas.microsoft.com/office/drawing/2014/main" id="{C771E8D6-9A77-E617-AAC3-10E2418F10BF}"/>
+                <a16:creationId xmlns:a16="http://schemas.microsoft.com/office/drawing/2014/main" id="{1CC557B0-4757-0DC4-40BE-27943075AB75}"/>
               </a:ext>
             </a:extLst>
           </p:cNvPr>
@@ -910,7 +910,7 @@
           <a:bodyPr/>
           <a:lstStyle/>
           <a:p>
-            <a:fld id="{9A7FEBCD-D8C8-4C1F-ABB6-9479BE0A2969}" type="slidenum">
+            <a:fld id="{6E276794-5E4A-4C3C-96E2-79A5F3579C07}" type="slidenum">
               <a:rPr lang="zh-CN" altLang="en-US" smtClean="0"/>
               <a:t>‹#›</a:t>
             </a:fld>
@@ -921,7 +921,7 @@
     </p:spTree>
     <p:extLst>
       <p:ext uri="{BB962C8B-B14F-4D97-AF65-F5344CB8AC3E}">
-        <p14:creationId xmlns:p14="http://schemas.microsoft.com/office/powerpoint/2010/main" val="3833893251"/>
+        <p14:creationId xmlns:p14="http://schemas.microsoft.com/office/powerpoint/2010/main" val="4005906409"/>
       </p:ext>
     </p:extLst>
   </p:cSld>
@@ -953,7 +953,7 @@
           <p:cNvPr id="2" name="标题 1">
             <a:extLst>
               <a:ext uri="{FF2B5EF4-FFF2-40B4-BE49-F238E27FC236}">
-                <a16:creationId xmlns:a16="http://schemas.microsoft.com/office/drawing/2014/main" id="{EBC836CB-CD73-E10C-EBA8-39010A43BD24}"/>
+                <a16:creationId xmlns:a16="http://schemas.microsoft.com/office/drawing/2014/main" id="{B61093B0-3EFB-0061-A8DF-6CC3050A8166}"/>
               </a:ext>
             </a:extLst>
           </p:cNvPr>
@@ -990,7 +990,7 @@
           <p:cNvPr id="3" name="文本占位符 2">
             <a:extLst>
               <a:ext uri="{FF2B5EF4-FFF2-40B4-BE49-F238E27FC236}">
-                <a16:creationId xmlns:a16="http://schemas.microsoft.com/office/drawing/2014/main" id="{B75B3B7B-6FB6-5D23-F4B9-DBB6C2C1FCA3}"/>
+                <a16:creationId xmlns:a16="http://schemas.microsoft.com/office/drawing/2014/main" id="{607595B0-29AE-E913-37A0-12175B0E02F7}"/>
               </a:ext>
             </a:extLst>
           </p:cNvPr>
@@ -1115,7 +1115,7 @@
           <p:cNvPr id="4" name="日期占位符 3">
             <a:extLst>
               <a:ext uri="{FF2B5EF4-FFF2-40B4-BE49-F238E27FC236}">
-                <a16:creationId xmlns:a16="http://schemas.microsoft.com/office/drawing/2014/main" id="{00CAEE51-17DF-54E7-69FE-11FED8EF1D30}"/>
+                <a16:creationId xmlns:a16="http://schemas.microsoft.com/office/drawing/2014/main" id="{057EDD72-05CE-9AE9-2633-07C05D3C2A45}"/>
               </a:ext>
             </a:extLst>
           </p:cNvPr>
@@ -1131,7 +1131,7 @@
           <a:bodyPr/>
           <a:lstStyle/>
           <a:p>
-            <a:fld id="{264FA07B-7A61-4D41-9A89-77393A32C4A6}" type="datetimeFigureOut">
+            <a:fld id="{807715FE-2D25-43BC-AB17-7D9547F6BCD6}" type="datetimeFigureOut">
               <a:rPr lang="zh-CN" altLang="en-US" smtClean="0"/>
               <a:t>2024/3/10</a:t>
             </a:fld>
@@ -1144,7 +1144,7 @@
           <p:cNvPr id="5" name="页脚占位符 4">
             <a:extLst>
               <a:ext uri="{FF2B5EF4-FFF2-40B4-BE49-F238E27FC236}">
-                <a16:creationId xmlns:a16="http://schemas.microsoft.com/office/drawing/2014/main" id="{7FF792FF-29E3-F7D8-C675-AA185B9F4878}"/>
+                <a16:creationId xmlns:a16="http://schemas.microsoft.com/office/drawing/2014/main" id="{8FCAD0CB-7FD9-264B-1B77-B2EF947D5DED}"/>
               </a:ext>
             </a:extLst>
           </p:cNvPr>
@@ -1169,7 +1169,7 @@
           <p:cNvPr id="6" name="灯片编号占位符 5">
             <a:extLst>
               <a:ext uri="{FF2B5EF4-FFF2-40B4-BE49-F238E27FC236}">
-                <a16:creationId xmlns:a16="http://schemas.microsoft.com/office/drawing/2014/main" id="{B72A67E9-5AAC-73CD-6B59-803FF928FB71}"/>
+                <a16:creationId xmlns:a16="http://schemas.microsoft.com/office/drawing/2014/main" id="{12318D6A-A47A-625B-3918-5C74FAAC0040}"/>
               </a:ext>
             </a:extLst>
           </p:cNvPr>
@@ -1185,7 +1185,7 @@
           <a:bodyPr/>
           <a:lstStyle/>
           <a:p>
-            <a:fld id="{9A7FEBCD-D8C8-4C1F-ABB6-9479BE0A2969}" type="slidenum">
+            <a:fld id="{6E276794-5E4A-4C3C-96E2-79A5F3579C07}" type="slidenum">
               <a:rPr lang="zh-CN" altLang="en-US" smtClean="0"/>
               <a:t>‹#›</a:t>
             </a:fld>
@@ -1196,7 +1196,7 @@
     </p:spTree>
     <p:extLst>
       <p:ext uri="{BB962C8B-B14F-4D97-AF65-F5344CB8AC3E}">
-        <p14:creationId xmlns:p14="http://schemas.microsoft.com/office/powerpoint/2010/main" val="2248908510"/>
+        <p14:creationId xmlns:p14="http://schemas.microsoft.com/office/powerpoint/2010/main" val="1101582096"/>
       </p:ext>
     </p:extLst>
   </p:cSld>
@@ -1228,7 +1228,7 @@
           <p:cNvPr id="2" name="标题 1">
             <a:extLst>
               <a:ext uri="{FF2B5EF4-FFF2-40B4-BE49-F238E27FC236}">
-                <a16:creationId xmlns:a16="http://schemas.microsoft.com/office/drawing/2014/main" id="{63ED5FEE-0F17-BD5E-F7B0-7EB8BB1775F2}"/>
+                <a16:creationId xmlns:a16="http://schemas.microsoft.com/office/drawing/2014/main" id="{C2D232E7-0872-4C87-7338-E093935B4383}"/>
               </a:ext>
             </a:extLst>
           </p:cNvPr>
@@ -1256,7 +1256,7 @@
           <p:cNvPr id="3" name="内容占位符 2">
             <a:extLst>
               <a:ext uri="{FF2B5EF4-FFF2-40B4-BE49-F238E27FC236}">
-                <a16:creationId xmlns:a16="http://schemas.microsoft.com/office/drawing/2014/main" id="{37C591E3-9AC2-A217-FE00-96E6DFE05E77}"/>
+                <a16:creationId xmlns:a16="http://schemas.microsoft.com/office/drawing/2014/main" id="{1DB073E4-785C-C51D-AFF1-575ED61E23CE}"/>
               </a:ext>
             </a:extLst>
           </p:cNvPr>
@@ -1318,7 +1318,7 @@
           <p:cNvPr id="4" name="内容占位符 3">
             <a:extLst>
               <a:ext uri="{FF2B5EF4-FFF2-40B4-BE49-F238E27FC236}">
-                <a16:creationId xmlns:a16="http://schemas.microsoft.com/office/drawing/2014/main" id="{8E47F9E1-9078-5DC0-26B5-1B07C33207A1}"/>
+                <a16:creationId xmlns:a16="http://schemas.microsoft.com/office/drawing/2014/main" id="{F424C9F5-7B11-C551-5CC7-CA3DCCADCB49}"/>
               </a:ext>
             </a:extLst>
           </p:cNvPr>
@@ -1380,7 +1380,7 @@
           <p:cNvPr id="5" name="日期占位符 4">
             <a:extLst>
               <a:ext uri="{FF2B5EF4-FFF2-40B4-BE49-F238E27FC236}">
-                <a16:creationId xmlns:a16="http://schemas.microsoft.com/office/drawing/2014/main" id="{3AB6F8F9-EE12-F79D-5CDF-F4CAEDB32072}"/>
+                <a16:creationId xmlns:a16="http://schemas.microsoft.com/office/drawing/2014/main" id="{291EFAC5-30A0-B1B1-5FF1-AA7595EA3E0E}"/>
               </a:ext>
             </a:extLst>
           </p:cNvPr>
@@ -1396,7 +1396,7 @@
           <a:bodyPr/>
           <a:lstStyle/>
           <a:p>
-            <a:fld id="{264FA07B-7A61-4D41-9A89-77393A32C4A6}" type="datetimeFigureOut">
+            <a:fld id="{807715FE-2D25-43BC-AB17-7D9547F6BCD6}" type="datetimeFigureOut">
               <a:rPr lang="zh-CN" altLang="en-US" smtClean="0"/>
               <a:t>2024/3/10</a:t>
             </a:fld>
@@ -1409,7 +1409,7 @@
           <p:cNvPr id="6" name="页脚占位符 5">
             <a:extLst>
               <a:ext uri="{FF2B5EF4-FFF2-40B4-BE49-F238E27FC236}">
-                <a16:creationId xmlns:a16="http://schemas.microsoft.com/office/drawing/2014/main" id="{4FE879BB-0CFD-94CF-FED6-A49EC05A4821}"/>
+                <a16:creationId xmlns:a16="http://schemas.microsoft.com/office/drawing/2014/main" id="{9F1DA6B3-1171-F69D-B831-32F862DB8874}"/>
               </a:ext>
             </a:extLst>
           </p:cNvPr>
@@ -1434,7 +1434,7 @@
           <p:cNvPr id="7" name="灯片编号占位符 6">
             <a:extLst>
               <a:ext uri="{FF2B5EF4-FFF2-40B4-BE49-F238E27FC236}">
-                <a16:creationId xmlns:a16="http://schemas.microsoft.com/office/drawing/2014/main" id="{AE24E138-5E12-4E0E-D670-A62549F00AEC}"/>
+                <a16:creationId xmlns:a16="http://schemas.microsoft.com/office/drawing/2014/main" id="{F6E0FA13-7B1E-2F37-D34D-ED511C492DA3}"/>
               </a:ext>
             </a:extLst>
           </p:cNvPr>
@@ -1450,7 +1450,7 @@
           <a:bodyPr/>
           <a:lstStyle/>
           <a:p>
-            <a:fld id="{9A7FEBCD-D8C8-4C1F-ABB6-9479BE0A2969}" type="slidenum">
+            <a:fld id="{6E276794-5E4A-4C3C-96E2-79A5F3579C07}" type="slidenum">
               <a:rPr lang="zh-CN" altLang="en-US" smtClean="0"/>
               <a:t>‹#›</a:t>
             </a:fld>
@@ -1461,7 +1461,7 @@
     </p:spTree>
     <p:extLst>
       <p:ext uri="{BB962C8B-B14F-4D97-AF65-F5344CB8AC3E}">
-        <p14:creationId xmlns:p14="http://schemas.microsoft.com/office/powerpoint/2010/main" val="1708276613"/>
+        <p14:creationId xmlns:p14="http://schemas.microsoft.com/office/powerpoint/2010/main" val="954578979"/>
       </p:ext>
     </p:extLst>
   </p:cSld>
@@ -1493,7 +1493,7 @@
           <p:cNvPr id="2" name="标题 1">
             <a:extLst>
               <a:ext uri="{FF2B5EF4-FFF2-40B4-BE49-F238E27FC236}">
-                <a16:creationId xmlns:a16="http://schemas.microsoft.com/office/drawing/2014/main" id="{A6A88658-AAC9-8600-A1C2-8AA0B832AC2D}"/>
+                <a16:creationId xmlns:a16="http://schemas.microsoft.com/office/drawing/2014/main" id="{36807C57-6432-B79A-95DC-D2F309B4536D}"/>
               </a:ext>
             </a:extLst>
           </p:cNvPr>
@@ -1526,7 +1526,7 @@
           <p:cNvPr id="3" name="文本占位符 2">
             <a:extLst>
               <a:ext uri="{FF2B5EF4-FFF2-40B4-BE49-F238E27FC236}">
-                <a16:creationId xmlns:a16="http://schemas.microsoft.com/office/drawing/2014/main" id="{ADBE00EA-A9A8-EBC7-43A8-3F56922DD2BC}"/>
+                <a16:creationId xmlns:a16="http://schemas.microsoft.com/office/drawing/2014/main" id="{D2B1B386-541B-6399-6647-AB76F6C3F4F2}"/>
               </a:ext>
             </a:extLst>
           </p:cNvPr>
@@ -1597,7 +1597,7 @@
           <p:cNvPr id="4" name="内容占位符 3">
             <a:extLst>
               <a:ext uri="{FF2B5EF4-FFF2-40B4-BE49-F238E27FC236}">
-                <a16:creationId xmlns:a16="http://schemas.microsoft.com/office/drawing/2014/main" id="{EA20AFC8-9039-196E-5041-7FCFD159CCF1}"/>
+                <a16:creationId xmlns:a16="http://schemas.microsoft.com/office/drawing/2014/main" id="{637D1289-0573-476B-3335-C2964B3D5284}"/>
               </a:ext>
             </a:extLst>
           </p:cNvPr>
@@ -1659,7 +1659,7 @@
           <p:cNvPr id="5" name="文本占位符 4">
             <a:extLst>
               <a:ext uri="{FF2B5EF4-FFF2-40B4-BE49-F238E27FC236}">
-                <a16:creationId xmlns:a16="http://schemas.microsoft.com/office/drawing/2014/main" id="{7E8411A3-995F-D1CD-32F7-7219085023D0}"/>
+                <a16:creationId xmlns:a16="http://schemas.microsoft.com/office/drawing/2014/main" id="{09A34B55-BD50-C117-72BB-851CFE9ABC5E}"/>
               </a:ext>
             </a:extLst>
           </p:cNvPr>
@@ -1730,7 +1730,7 @@
           <p:cNvPr id="6" name="内容占位符 5">
             <a:extLst>
               <a:ext uri="{FF2B5EF4-FFF2-40B4-BE49-F238E27FC236}">
-                <a16:creationId xmlns:a16="http://schemas.microsoft.com/office/drawing/2014/main" id="{09D2B33C-6A7F-84A7-5EF7-9C109EDBDAFE}"/>
+                <a16:creationId xmlns:a16="http://schemas.microsoft.com/office/drawing/2014/main" id="{D2D1CEF5-5DA6-DB3C-F163-B8E2B59AD69F}"/>
               </a:ext>
             </a:extLst>
           </p:cNvPr>
@@ -1792,7 +1792,7 @@
           <p:cNvPr id="7" name="日期占位符 6">
             <a:extLst>
               <a:ext uri="{FF2B5EF4-FFF2-40B4-BE49-F238E27FC236}">
-                <a16:creationId xmlns:a16="http://schemas.microsoft.com/office/drawing/2014/main" id="{6571283C-AA8A-BD0D-638B-45A9AEE06628}"/>
+                <a16:creationId xmlns:a16="http://schemas.microsoft.com/office/drawing/2014/main" id="{2A8DD8B0-E699-6D37-33E1-56D7FCE51BFC}"/>
               </a:ext>
             </a:extLst>
           </p:cNvPr>
@@ -1808,7 +1808,7 @@
           <a:bodyPr/>
           <a:lstStyle/>
           <a:p>
-            <a:fld id="{264FA07B-7A61-4D41-9A89-77393A32C4A6}" type="datetimeFigureOut">
+            <a:fld id="{807715FE-2D25-43BC-AB17-7D9547F6BCD6}" type="datetimeFigureOut">
               <a:rPr lang="zh-CN" altLang="en-US" smtClean="0"/>
               <a:t>2024/3/10</a:t>
             </a:fld>
@@ -1821,7 +1821,7 @@
           <p:cNvPr id="8" name="页脚占位符 7">
             <a:extLst>
               <a:ext uri="{FF2B5EF4-FFF2-40B4-BE49-F238E27FC236}">
-                <a16:creationId xmlns:a16="http://schemas.microsoft.com/office/drawing/2014/main" id="{E587214B-2886-7E51-886A-87DAA15D7A87}"/>
+                <a16:creationId xmlns:a16="http://schemas.microsoft.com/office/drawing/2014/main" id="{8B0655E6-1479-9752-E48B-790B8F4506F1}"/>
               </a:ext>
             </a:extLst>
           </p:cNvPr>
@@ -1846,7 +1846,7 @@
           <p:cNvPr id="9" name="灯片编号占位符 8">
             <a:extLst>
               <a:ext uri="{FF2B5EF4-FFF2-40B4-BE49-F238E27FC236}">
-                <a16:creationId xmlns:a16="http://schemas.microsoft.com/office/drawing/2014/main" id="{8F426C0C-3E04-0B4F-0C3F-9FBDE38A4D0E}"/>
+                <a16:creationId xmlns:a16="http://schemas.microsoft.com/office/drawing/2014/main" id="{EFD0ED1C-249C-5F2A-A7AA-ABC6338FE39B}"/>
               </a:ext>
             </a:extLst>
           </p:cNvPr>
@@ -1862,7 +1862,7 @@
           <a:bodyPr/>
           <a:lstStyle/>
           <a:p>
-            <a:fld id="{9A7FEBCD-D8C8-4C1F-ABB6-9479BE0A2969}" type="slidenum">
+            <a:fld id="{6E276794-5E4A-4C3C-96E2-79A5F3579C07}" type="slidenum">
               <a:rPr lang="zh-CN" altLang="en-US" smtClean="0"/>
               <a:t>‹#›</a:t>
             </a:fld>
@@ -1873,7 +1873,7 @@
     </p:spTree>
     <p:extLst>
       <p:ext uri="{BB962C8B-B14F-4D97-AF65-F5344CB8AC3E}">
-        <p14:creationId xmlns:p14="http://schemas.microsoft.com/office/powerpoint/2010/main" val="726313372"/>
+        <p14:creationId xmlns:p14="http://schemas.microsoft.com/office/powerpoint/2010/main" val="363887394"/>
       </p:ext>
     </p:extLst>
   </p:cSld>
@@ -1905,7 +1905,7 @@
           <p:cNvPr id="2" name="标题 1">
             <a:extLst>
               <a:ext uri="{FF2B5EF4-FFF2-40B4-BE49-F238E27FC236}">
-                <a16:creationId xmlns:a16="http://schemas.microsoft.com/office/drawing/2014/main" id="{8B7A2F1D-DD18-0ED2-D756-5A23288731B6}"/>
+                <a16:creationId xmlns:a16="http://schemas.microsoft.com/office/drawing/2014/main" id="{41B74696-6C60-1856-87D6-B2CD057D69C9}"/>
               </a:ext>
             </a:extLst>
           </p:cNvPr>
@@ -1933,7 +1933,7 @@
           <p:cNvPr id="3" name="日期占位符 2">
             <a:extLst>
               <a:ext uri="{FF2B5EF4-FFF2-40B4-BE49-F238E27FC236}">
-                <a16:creationId xmlns:a16="http://schemas.microsoft.com/office/drawing/2014/main" id="{E9259B4A-70E4-5B48-CEF1-2D7F4A970A4D}"/>
+                <a16:creationId xmlns:a16="http://schemas.microsoft.com/office/drawing/2014/main" id="{845893B9-F631-14B7-90AF-0E1B5147B6D5}"/>
               </a:ext>
             </a:extLst>
           </p:cNvPr>
@@ -1949,7 +1949,7 @@
           <a:bodyPr/>
           <a:lstStyle/>
           <a:p>
-            <a:fld id="{264FA07B-7A61-4D41-9A89-77393A32C4A6}" type="datetimeFigureOut">
+            <a:fld id="{807715FE-2D25-43BC-AB17-7D9547F6BCD6}" type="datetimeFigureOut">
               <a:rPr lang="zh-CN" altLang="en-US" smtClean="0"/>
               <a:t>2024/3/10</a:t>
             </a:fld>
@@ -1962,7 +1962,7 @@
           <p:cNvPr id="4" name="页脚占位符 3">
             <a:extLst>
               <a:ext uri="{FF2B5EF4-FFF2-40B4-BE49-F238E27FC236}">
-                <a16:creationId xmlns:a16="http://schemas.microsoft.com/office/drawing/2014/main" id="{FDAC040E-0A86-ACB8-C772-3AD69902058E}"/>
+                <a16:creationId xmlns:a16="http://schemas.microsoft.com/office/drawing/2014/main" id="{404D2075-0C9B-3F37-0A7F-D68ED1DA7D0A}"/>
               </a:ext>
             </a:extLst>
           </p:cNvPr>
@@ -1987,7 +1987,7 @@
           <p:cNvPr id="5" name="灯片编号占位符 4">
             <a:extLst>
               <a:ext uri="{FF2B5EF4-FFF2-40B4-BE49-F238E27FC236}">
-                <a16:creationId xmlns:a16="http://schemas.microsoft.com/office/drawing/2014/main" id="{A47120D1-17EB-71A1-DD7B-C7491A0FB342}"/>
+                <a16:creationId xmlns:a16="http://schemas.microsoft.com/office/drawing/2014/main" id="{C5293FCC-AB70-D0C4-C6A9-9C0E57A45876}"/>
               </a:ext>
             </a:extLst>
           </p:cNvPr>
@@ -2003,7 +2003,7 @@
           <a:bodyPr/>
           <a:lstStyle/>
           <a:p>
-            <a:fld id="{9A7FEBCD-D8C8-4C1F-ABB6-9479BE0A2969}" type="slidenum">
+            <a:fld id="{6E276794-5E4A-4C3C-96E2-79A5F3579C07}" type="slidenum">
               <a:rPr lang="zh-CN" altLang="en-US" smtClean="0"/>
               <a:t>‹#›</a:t>
             </a:fld>
@@ -2014,7 +2014,7 @@
     </p:spTree>
     <p:extLst>
       <p:ext uri="{BB962C8B-B14F-4D97-AF65-F5344CB8AC3E}">
-        <p14:creationId xmlns:p14="http://schemas.microsoft.com/office/powerpoint/2010/main" val="4252624907"/>
+        <p14:creationId xmlns:p14="http://schemas.microsoft.com/office/powerpoint/2010/main" val="1232620186"/>
       </p:ext>
     </p:extLst>
   </p:cSld>
@@ -2046,7 +2046,7 @@
           <p:cNvPr id="2" name="日期占位符 1">
             <a:extLst>
               <a:ext uri="{FF2B5EF4-FFF2-40B4-BE49-F238E27FC236}">
-                <a16:creationId xmlns:a16="http://schemas.microsoft.com/office/drawing/2014/main" id="{CC32C99D-B10F-D9EC-927F-E257E4CEBC5E}"/>
+                <a16:creationId xmlns:a16="http://schemas.microsoft.com/office/drawing/2014/main" id="{7BD2BE36-11C2-22CA-81AF-552A77865EED}"/>
               </a:ext>
             </a:extLst>
           </p:cNvPr>
@@ -2062,7 +2062,7 @@
           <a:bodyPr/>
           <a:lstStyle/>
           <a:p>
-            <a:fld id="{264FA07B-7A61-4D41-9A89-77393A32C4A6}" type="datetimeFigureOut">
+            <a:fld id="{807715FE-2D25-43BC-AB17-7D9547F6BCD6}" type="datetimeFigureOut">
               <a:rPr lang="zh-CN" altLang="en-US" smtClean="0"/>
               <a:t>2024/3/10</a:t>
             </a:fld>
@@ -2075,7 +2075,7 @@
           <p:cNvPr id="3" name="页脚占位符 2">
             <a:extLst>
               <a:ext uri="{FF2B5EF4-FFF2-40B4-BE49-F238E27FC236}">
-                <a16:creationId xmlns:a16="http://schemas.microsoft.com/office/drawing/2014/main" id="{7475D4D9-E6DF-AFDD-AEF6-B86D65D172A9}"/>
+                <a16:creationId xmlns:a16="http://schemas.microsoft.com/office/drawing/2014/main" id="{D9F61B19-C4C2-78BB-D96B-897A422CD65F}"/>
               </a:ext>
             </a:extLst>
           </p:cNvPr>
@@ -2100,7 +2100,7 @@
           <p:cNvPr id="4" name="灯片编号占位符 3">
             <a:extLst>
               <a:ext uri="{FF2B5EF4-FFF2-40B4-BE49-F238E27FC236}">
-                <a16:creationId xmlns:a16="http://schemas.microsoft.com/office/drawing/2014/main" id="{D47F6388-512C-5CBF-0B05-38DAC03EF754}"/>
+                <a16:creationId xmlns:a16="http://schemas.microsoft.com/office/drawing/2014/main" id="{0481556D-5AF0-755A-9C43-723A0C431C66}"/>
               </a:ext>
             </a:extLst>
           </p:cNvPr>
@@ -2116,7 +2116,7 @@
           <a:bodyPr/>
           <a:lstStyle/>
           <a:p>
-            <a:fld id="{9A7FEBCD-D8C8-4C1F-ABB6-9479BE0A2969}" type="slidenum">
+            <a:fld id="{6E276794-5E4A-4C3C-96E2-79A5F3579C07}" type="slidenum">
               <a:rPr lang="zh-CN" altLang="en-US" smtClean="0"/>
               <a:t>‹#›</a:t>
             </a:fld>
@@ -2127,7 +2127,7 @@
     </p:spTree>
     <p:extLst>
       <p:ext uri="{BB962C8B-B14F-4D97-AF65-F5344CB8AC3E}">
-        <p14:creationId xmlns:p14="http://schemas.microsoft.com/office/powerpoint/2010/main" val="1975751913"/>
+        <p14:creationId xmlns:p14="http://schemas.microsoft.com/office/powerpoint/2010/main" val="3674429750"/>
       </p:ext>
     </p:extLst>
   </p:cSld>
@@ -2159,7 +2159,7 @@
           <p:cNvPr id="2" name="标题 1">
             <a:extLst>
               <a:ext uri="{FF2B5EF4-FFF2-40B4-BE49-F238E27FC236}">
-                <a16:creationId xmlns:a16="http://schemas.microsoft.com/office/drawing/2014/main" id="{4C28BA5F-969B-F966-7BF4-3B4A07923798}"/>
+                <a16:creationId xmlns:a16="http://schemas.microsoft.com/office/drawing/2014/main" id="{3C738CD9-79B6-38A0-6FCB-DB12EEA9F797}"/>
               </a:ext>
             </a:extLst>
           </p:cNvPr>
@@ -2196,7 +2196,7 @@
           <p:cNvPr id="3" name="内容占位符 2">
             <a:extLst>
               <a:ext uri="{FF2B5EF4-FFF2-40B4-BE49-F238E27FC236}">
-                <a16:creationId xmlns:a16="http://schemas.microsoft.com/office/drawing/2014/main" id="{D204CC1E-7960-BA42-D3E7-2E8543DAC3A1}"/>
+                <a16:creationId xmlns:a16="http://schemas.microsoft.com/office/drawing/2014/main" id="{2B49BE55-E46C-BA42-26B9-269846B85CB9}"/>
               </a:ext>
             </a:extLst>
           </p:cNvPr>
@@ -2286,7 +2286,7 @@
           <p:cNvPr id="4" name="文本占位符 3">
             <a:extLst>
               <a:ext uri="{FF2B5EF4-FFF2-40B4-BE49-F238E27FC236}">
-                <a16:creationId xmlns:a16="http://schemas.microsoft.com/office/drawing/2014/main" id="{C176EAB9-6865-7009-EE61-B241F3460658}"/>
+                <a16:creationId xmlns:a16="http://schemas.microsoft.com/office/drawing/2014/main" id="{1E791186-3FE2-4268-0810-C4EF630CFD2E}"/>
               </a:ext>
             </a:extLst>
           </p:cNvPr>
@@ -2357,7 +2357,7 @@
           <p:cNvPr id="5" name="日期占位符 4">
             <a:extLst>
               <a:ext uri="{FF2B5EF4-FFF2-40B4-BE49-F238E27FC236}">
-                <a16:creationId xmlns:a16="http://schemas.microsoft.com/office/drawing/2014/main" id="{E094721C-93CE-1951-E7AB-55333638ACF6}"/>
+                <a16:creationId xmlns:a16="http://schemas.microsoft.com/office/drawing/2014/main" id="{F7BBF09F-FCE4-E04E-CF1B-E031F52659E7}"/>
               </a:ext>
             </a:extLst>
           </p:cNvPr>
@@ -2373,7 +2373,7 @@
           <a:bodyPr/>
           <a:lstStyle/>
           <a:p>
-            <a:fld id="{264FA07B-7A61-4D41-9A89-77393A32C4A6}" type="datetimeFigureOut">
+            <a:fld id="{807715FE-2D25-43BC-AB17-7D9547F6BCD6}" type="datetimeFigureOut">
               <a:rPr lang="zh-CN" altLang="en-US" smtClean="0"/>
               <a:t>2024/3/10</a:t>
             </a:fld>
@@ -2386,7 +2386,7 @@
           <p:cNvPr id="6" name="页脚占位符 5">
             <a:extLst>
               <a:ext uri="{FF2B5EF4-FFF2-40B4-BE49-F238E27FC236}">
-                <a16:creationId xmlns:a16="http://schemas.microsoft.com/office/drawing/2014/main" id="{FF6838DB-2E5E-61DC-780C-CD59408F5002}"/>
+                <a16:creationId xmlns:a16="http://schemas.microsoft.com/office/drawing/2014/main" id="{BD39354C-FC5E-4946-BF63-54757A6D0ABF}"/>
               </a:ext>
             </a:extLst>
           </p:cNvPr>
@@ -2411,7 +2411,7 @@
           <p:cNvPr id="7" name="灯片编号占位符 6">
             <a:extLst>
               <a:ext uri="{FF2B5EF4-FFF2-40B4-BE49-F238E27FC236}">
-                <a16:creationId xmlns:a16="http://schemas.microsoft.com/office/drawing/2014/main" id="{D7043E84-22C7-82C2-8C81-7F6D9F7D56CF}"/>
+                <a16:creationId xmlns:a16="http://schemas.microsoft.com/office/drawing/2014/main" id="{27DAC8B1-8ACC-A365-352C-E89B294FB122}"/>
               </a:ext>
             </a:extLst>
           </p:cNvPr>
@@ -2427,7 +2427,7 @@
           <a:bodyPr/>
           <a:lstStyle/>
           <a:p>
-            <a:fld id="{9A7FEBCD-D8C8-4C1F-ABB6-9479BE0A2969}" type="slidenum">
+            <a:fld id="{6E276794-5E4A-4C3C-96E2-79A5F3579C07}" type="slidenum">
               <a:rPr lang="zh-CN" altLang="en-US" smtClean="0"/>
               <a:t>‹#›</a:t>
             </a:fld>
@@ -2438,7 +2438,7 @@
     </p:spTree>
     <p:extLst>
       <p:ext uri="{BB962C8B-B14F-4D97-AF65-F5344CB8AC3E}">
-        <p14:creationId xmlns:p14="http://schemas.microsoft.com/office/powerpoint/2010/main" val="3649326660"/>
+        <p14:creationId xmlns:p14="http://schemas.microsoft.com/office/powerpoint/2010/main" val="3630187328"/>
       </p:ext>
     </p:extLst>
   </p:cSld>
@@ -2470,7 +2470,7 @@
           <p:cNvPr id="2" name="标题 1">
             <a:extLst>
               <a:ext uri="{FF2B5EF4-FFF2-40B4-BE49-F238E27FC236}">
-                <a16:creationId xmlns:a16="http://schemas.microsoft.com/office/drawing/2014/main" id="{47F8ED03-94D1-173B-C118-6A329D92818B}"/>
+                <a16:creationId xmlns:a16="http://schemas.microsoft.com/office/drawing/2014/main" id="{A9829F35-E93D-3C12-51CB-D58C851E977B}"/>
               </a:ext>
             </a:extLst>
           </p:cNvPr>
@@ -2507,7 +2507,7 @@
           <p:cNvPr id="3" name="图片占位符 2">
             <a:extLst>
               <a:ext uri="{FF2B5EF4-FFF2-40B4-BE49-F238E27FC236}">
-                <a16:creationId xmlns:a16="http://schemas.microsoft.com/office/drawing/2014/main" id="{D5EF26B5-F24B-46B6-1541-755B62A28731}"/>
+                <a16:creationId xmlns:a16="http://schemas.microsoft.com/office/drawing/2014/main" id="{D6E3FCE2-D33A-9D77-FAB5-1B9EA3E2BB59}"/>
               </a:ext>
             </a:extLst>
           </p:cNvPr>
@@ -2574,7 +2574,7 @@
           <p:cNvPr id="4" name="文本占位符 3">
             <a:extLst>
               <a:ext uri="{FF2B5EF4-FFF2-40B4-BE49-F238E27FC236}">
-                <a16:creationId xmlns:a16="http://schemas.microsoft.com/office/drawing/2014/main" id="{DA0D1232-E7D9-2293-A5C7-EC42E6C17858}"/>
+                <a16:creationId xmlns:a16="http://schemas.microsoft.com/office/drawing/2014/main" id="{FF3E7CF9-B005-8CFE-852D-525864109C7E}"/>
               </a:ext>
             </a:extLst>
           </p:cNvPr>
@@ -2645,7 +2645,7 @@
           <p:cNvPr id="5" name="日期占位符 4">
             <a:extLst>
               <a:ext uri="{FF2B5EF4-FFF2-40B4-BE49-F238E27FC236}">
-                <a16:creationId xmlns:a16="http://schemas.microsoft.com/office/drawing/2014/main" id="{47B04647-6EC5-42DD-26EC-5C727C853E67}"/>
+                <a16:creationId xmlns:a16="http://schemas.microsoft.com/office/drawing/2014/main" id="{029D3C6B-C640-641B-63F1-F0A410EFC290}"/>
               </a:ext>
             </a:extLst>
           </p:cNvPr>
@@ -2661,7 +2661,7 @@
           <a:bodyPr/>
           <a:lstStyle/>
           <a:p>
-            <a:fld id="{264FA07B-7A61-4D41-9A89-77393A32C4A6}" type="datetimeFigureOut">
+            <a:fld id="{807715FE-2D25-43BC-AB17-7D9547F6BCD6}" type="datetimeFigureOut">
               <a:rPr lang="zh-CN" altLang="en-US" smtClean="0"/>
               <a:t>2024/3/10</a:t>
             </a:fld>
@@ -2674,7 +2674,7 @@
           <p:cNvPr id="6" name="页脚占位符 5">
             <a:extLst>
               <a:ext uri="{FF2B5EF4-FFF2-40B4-BE49-F238E27FC236}">
-                <a16:creationId xmlns:a16="http://schemas.microsoft.com/office/drawing/2014/main" id="{4D5DA0F0-D46A-FEC7-12D1-9F5B4996CCBA}"/>
+                <a16:creationId xmlns:a16="http://schemas.microsoft.com/office/drawing/2014/main" id="{8A9AC251-793F-5133-6B51-1CE57AD429E4}"/>
               </a:ext>
             </a:extLst>
           </p:cNvPr>
@@ -2699,7 +2699,7 @@
           <p:cNvPr id="7" name="灯片编号占位符 6">
             <a:extLst>
               <a:ext uri="{FF2B5EF4-FFF2-40B4-BE49-F238E27FC236}">
-                <a16:creationId xmlns:a16="http://schemas.microsoft.com/office/drawing/2014/main" id="{DF427211-ABE3-75B3-DD60-2EC9087BA523}"/>
+                <a16:creationId xmlns:a16="http://schemas.microsoft.com/office/drawing/2014/main" id="{2269BE9D-DB4A-F361-D7C2-2AAF498FB6CE}"/>
               </a:ext>
             </a:extLst>
           </p:cNvPr>
@@ -2715,7 +2715,7 @@
           <a:bodyPr/>
           <a:lstStyle/>
           <a:p>
-            <a:fld id="{9A7FEBCD-D8C8-4C1F-ABB6-9479BE0A2969}" type="slidenum">
+            <a:fld id="{6E276794-5E4A-4C3C-96E2-79A5F3579C07}" type="slidenum">
               <a:rPr lang="zh-CN" altLang="en-US" smtClean="0"/>
               <a:t>‹#›</a:t>
             </a:fld>
@@ -2726,7 +2726,7 @@
     </p:spTree>
     <p:extLst>
       <p:ext uri="{BB962C8B-B14F-4D97-AF65-F5344CB8AC3E}">
-        <p14:creationId xmlns:p14="http://schemas.microsoft.com/office/powerpoint/2010/main" val="3880170332"/>
+        <p14:creationId xmlns:p14="http://schemas.microsoft.com/office/powerpoint/2010/main" val="198597047"/>
       </p:ext>
     </p:extLst>
   </p:cSld>
@@ -2763,7 +2763,7 @@
           <p:cNvPr id="2" name="标题占位符 1">
             <a:extLst>
               <a:ext uri="{FF2B5EF4-FFF2-40B4-BE49-F238E27FC236}">
-                <a16:creationId xmlns:a16="http://schemas.microsoft.com/office/drawing/2014/main" id="{7E115FEF-B72B-E0E3-76F5-FCB438CF0A21}"/>
+                <a16:creationId xmlns:a16="http://schemas.microsoft.com/office/drawing/2014/main" id="{F54A48F9-068C-0535-CB0D-ABDA814B9E44}"/>
               </a:ext>
             </a:extLst>
           </p:cNvPr>
@@ -2801,7 +2801,7 @@
           <p:cNvPr id="3" name="文本占位符 2">
             <a:extLst>
               <a:ext uri="{FF2B5EF4-FFF2-40B4-BE49-F238E27FC236}">
-                <a16:creationId xmlns:a16="http://schemas.microsoft.com/office/drawing/2014/main" id="{470D1451-BA35-506D-0CE0-92E944746147}"/>
+                <a16:creationId xmlns:a16="http://schemas.microsoft.com/office/drawing/2014/main" id="{304FA4DE-FEC8-B3B8-F2B1-0AADA0580C98}"/>
               </a:ext>
             </a:extLst>
           </p:cNvPr>
@@ -2868,7 +2868,7 @@
           <p:cNvPr id="4" name="日期占位符 3">
             <a:extLst>
               <a:ext uri="{FF2B5EF4-FFF2-40B4-BE49-F238E27FC236}">
-                <a16:creationId xmlns:a16="http://schemas.microsoft.com/office/drawing/2014/main" id="{777FDB47-1F21-C4A4-EEDC-0567CF464CA7}"/>
+                <a16:creationId xmlns:a16="http://schemas.microsoft.com/office/drawing/2014/main" id="{B97B1C3A-2620-33EF-2505-EF1BF1370924}"/>
               </a:ext>
             </a:extLst>
           </p:cNvPr>
@@ -2902,7 +2902,7 @@
             </a:lvl1pPr>
           </a:lstStyle>
           <a:p>
-            <a:fld id="{264FA07B-7A61-4D41-9A89-77393A32C4A6}" type="datetimeFigureOut">
+            <a:fld id="{807715FE-2D25-43BC-AB17-7D9547F6BCD6}" type="datetimeFigureOut">
               <a:rPr lang="zh-CN" altLang="en-US" smtClean="0"/>
               <a:t>2024/3/10</a:t>
             </a:fld>
@@ -2915,7 +2915,7 @@
           <p:cNvPr id="5" name="页脚占位符 4">
             <a:extLst>
               <a:ext uri="{FF2B5EF4-FFF2-40B4-BE49-F238E27FC236}">
-                <a16:creationId xmlns:a16="http://schemas.microsoft.com/office/drawing/2014/main" id="{0910674A-CBEF-71D6-6132-0A52C580EFEB}"/>
+                <a16:creationId xmlns:a16="http://schemas.microsoft.com/office/drawing/2014/main" id="{3A7E12FE-39CE-A9F2-9AB7-56B8B545CEA7}"/>
               </a:ext>
             </a:extLst>
           </p:cNvPr>
@@ -2958,7 +2958,7 @@
           <p:cNvPr id="6" name="灯片编号占位符 5">
             <a:extLst>
               <a:ext uri="{FF2B5EF4-FFF2-40B4-BE49-F238E27FC236}">
-                <a16:creationId xmlns:a16="http://schemas.microsoft.com/office/drawing/2014/main" id="{FD541C04-08F6-0703-BD66-EDF95D9863D7}"/>
+                <a16:creationId xmlns:a16="http://schemas.microsoft.com/office/drawing/2014/main" id="{50A78BB7-0EB6-5C33-1BA1-0D4FD5E58C60}"/>
               </a:ext>
             </a:extLst>
           </p:cNvPr>
@@ -2992,7 +2992,7 @@
             </a:lvl1pPr>
           </a:lstStyle>
           <a:p>
-            <a:fld id="{9A7FEBCD-D8C8-4C1F-ABB6-9479BE0A2969}" type="slidenum">
+            <a:fld id="{6E276794-5E4A-4C3C-96E2-79A5F3579C07}" type="slidenum">
               <a:rPr lang="zh-CN" altLang="en-US" smtClean="0"/>
               <a:t>‹#›</a:t>
             </a:fld>
@@ -3003,7 +3003,7 @@
     </p:spTree>
     <p:extLst>
       <p:ext uri="{BB962C8B-B14F-4D97-AF65-F5344CB8AC3E}">
-        <p14:creationId xmlns:p14="http://schemas.microsoft.com/office/powerpoint/2010/main" val="513178713"/>
+        <p14:creationId xmlns:p14="http://schemas.microsoft.com/office/powerpoint/2010/main" val="10809254"/>
       </p:ext>
     </p:extLst>
   </p:cSld>
